--- a/week8/hw7_slides.pptx
+++ b/week8/hw7_slides.pptx
@@ -9572,7 +9572,7 @@
             </a:pPr>
             <a:r>
               <a:rPr lang="zh-TW" sz="1400"/>
-              <a:t>model.bin </a:t>
+              <a:t>model.bin / model.pkl  </a:t>
             </a:r>
             <a:r>
               <a:rPr b="1" lang="zh-TW" sz="1400">
@@ -9660,7 +9660,7 @@
             </a:pPr>
             <a:r>
               <a:rPr lang="zh-TW" sz="1400"/>
-              <a:t>請不要上傳 dataset，並且確定你 inference 是用 model.bin，</a:t>
+              <a:t>請不要上傳 dataset，並且確定你 inference 是用 model.bin / model.pkl，</a:t>
             </a:r>
             <a:r>
               <a:rPr b="1" lang="zh-TW" sz="1400">
@@ -9699,7 +9699,7 @@
                   <a:srgbClr val="FF0000"/>
                 </a:solidFill>
               </a:rPr>
-              <a:t>請確定你的 model.bin </a:t>
+              <a:t>請確定你的 model.bin / model.pkl </a:t>
             </a:r>
             <a:r>
               <a:rPr b="1" lang="zh-TW">
